--- a/Présentation1.pptx
+++ b/Présentation1.pptx
@@ -108,6 +108,11 @@
       </a:defRPr>
     </a:lvl9pPr>
   </p:defaultTextStyle>
+  <p:extLst>
+    <p:ext uri="{EFAFB233-063F-42B5-8137-9DF3F51BA10A}">
+      <p15:sldGuideLst xmlns:p15="http://schemas.microsoft.com/office/powerpoint/2012/main"/>
+    </p:ext>
+  </p:extLst>
 </p:presentation>
 </file>
 
@@ -133,7 +138,7 @@
           <p:cNvPr id="2" name="Titre 1">
             <a:extLst>
               <a:ext uri="{FF2B5EF4-FFF2-40B4-BE49-F238E27FC236}">
-                <a16:creationId xmlns:a16="http://schemas.microsoft.com/office/drawing/2014/main" id="{A4590264-292F-4FD0-B605-C169EB674BC4}"/>
+                <a16:creationId xmlns:a16="http://schemas.microsoft.com/office/drawing/2014/main" xmlns="" id="{A4590264-292F-4FD0-B605-C169EB674BC4}"/>
               </a:ext>
             </a:extLst>
           </p:cNvPr>
@@ -170,7 +175,7 @@
           <p:cNvPr id="3" name="Sous-titre 2">
             <a:extLst>
               <a:ext uri="{FF2B5EF4-FFF2-40B4-BE49-F238E27FC236}">
-                <a16:creationId xmlns:a16="http://schemas.microsoft.com/office/drawing/2014/main" id="{300293A9-2248-4D34-8667-C785AADB97C6}"/>
+                <a16:creationId xmlns:a16="http://schemas.microsoft.com/office/drawing/2014/main" xmlns="" id="{300293A9-2248-4D34-8667-C785AADB97C6}"/>
               </a:ext>
             </a:extLst>
           </p:cNvPr>
@@ -240,7 +245,7 @@
           <p:cNvPr id="4" name="Espace réservé de la date 3">
             <a:extLst>
               <a:ext uri="{FF2B5EF4-FFF2-40B4-BE49-F238E27FC236}">
-                <a16:creationId xmlns:a16="http://schemas.microsoft.com/office/drawing/2014/main" id="{0280CAA2-BBD3-49DA-95F7-3702F4FDE053}"/>
+                <a16:creationId xmlns:a16="http://schemas.microsoft.com/office/drawing/2014/main" xmlns="" id="{0280CAA2-BBD3-49DA-95F7-3702F4FDE053}"/>
               </a:ext>
             </a:extLst>
           </p:cNvPr>
@@ -269,7 +274,7 @@
           <p:cNvPr id="5" name="Espace réservé du pied de page 4">
             <a:extLst>
               <a:ext uri="{FF2B5EF4-FFF2-40B4-BE49-F238E27FC236}">
-                <a16:creationId xmlns:a16="http://schemas.microsoft.com/office/drawing/2014/main" id="{0F4E2A94-9A86-4455-9B73-F93DB6011DC2}"/>
+                <a16:creationId xmlns:a16="http://schemas.microsoft.com/office/drawing/2014/main" xmlns="" id="{0F4E2A94-9A86-4455-9B73-F93DB6011DC2}"/>
               </a:ext>
             </a:extLst>
           </p:cNvPr>
@@ -294,7 +299,7 @@
           <p:cNvPr id="6" name="Espace réservé du numéro de diapositive 5">
             <a:extLst>
               <a:ext uri="{FF2B5EF4-FFF2-40B4-BE49-F238E27FC236}">
-                <a16:creationId xmlns:a16="http://schemas.microsoft.com/office/drawing/2014/main" id="{D5793DCE-9461-410A-8FC5-FDB33AF5AB8D}"/>
+                <a16:creationId xmlns:a16="http://schemas.microsoft.com/office/drawing/2014/main" xmlns="" id="{D5793DCE-9461-410A-8FC5-FDB33AF5AB8D}"/>
               </a:ext>
             </a:extLst>
           </p:cNvPr>
@@ -353,7 +358,7 @@
           <p:cNvPr id="2" name="Titre 1">
             <a:extLst>
               <a:ext uri="{FF2B5EF4-FFF2-40B4-BE49-F238E27FC236}">
-                <a16:creationId xmlns:a16="http://schemas.microsoft.com/office/drawing/2014/main" id="{58BD4E80-9CEB-4931-8D5E-D890CE33A404}"/>
+                <a16:creationId xmlns:a16="http://schemas.microsoft.com/office/drawing/2014/main" xmlns="" id="{58BD4E80-9CEB-4931-8D5E-D890CE33A404}"/>
               </a:ext>
             </a:extLst>
           </p:cNvPr>
@@ -381,7 +386,7 @@
           <p:cNvPr id="3" name="Espace réservé du texte vertical 2">
             <a:extLst>
               <a:ext uri="{FF2B5EF4-FFF2-40B4-BE49-F238E27FC236}">
-                <a16:creationId xmlns:a16="http://schemas.microsoft.com/office/drawing/2014/main" id="{CAFAB1D5-14A4-4E83-A045-B51ECF12D7B9}"/>
+                <a16:creationId xmlns:a16="http://schemas.microsoft.com/office/drawing/2014/main" xmlns="" id="{CAFAB1D5-14A4-4E83-A045-B51ECF12D7B9}"/>
               </a:ext>
             </a:extLst>
           </p:cNvPr>
@@ -438,7 +443,7 @@
           <p:cNvPr id="4" name="Espace réservé de la date 3">
             <a:extLst>
               <a:ext uri="{FF2B5EF4-FFF2-40B4-BE49-F238E27FC236}">
-                <a16:creationId xmlns:a16="http://schemas.microsoft.com/office/drawing/2014/main" id="{7403DBD1-80DA-4BB9-AD6E-CA387A8F45FA}"/>
+                <a16:creationId xmlns:a16="http://schemas.microsoft.com/office/drawing/2014/main" xmlns="" id="{7403DBD1-80DA-4BB9-AD6E-CA387A8F45FA}"/>
               </a:ext>
             </a:extLst>
           </p:cNvPr>
@@ -467,7 +472,7 @@
           <p:cNvPr id="5" name="Espace réservé du pied de page 4">
             <a:extLst>
               <a:ext uri="{FF2B5EF4-FFF2-40B4-BE49-F238E27FC236}">
-                <a16:creationId xmlns:a16="http://schemas.microsoft.com/office/drawing/2014/main" id="{72ECD54D-A7AD-4BCA-9569-95F992001362}"/>
+                <a16:creationId xmlns:a16="http://schemas.microsoft.com/office/drawing/2014/main" xmlns="" id="{72ECD54D-A7AD-4BCA-9569-95F992001362}"/>
               </a:ext>
             </a:extLst>
           </p:cNvPr>
@@ -492,7 +497,7 @@
           <p:cNvPr id="6" name="Espace réservé du numéro de diapositive 5">
             <a:extLst>
               <a:ext uri="{FF2B5EF4-FFF2-40B4-BE49-F238E27FC236}">
-                <a16:creationId xmlns:a16="http://schemas.microsoft.com/office/drawing/2014/main" id="{3BAF0AF2-6005-4819-878A-6F2064782A7F}"/>
+                <a16:creationId xmlns:a16="http://schemas.microsoft.com/office/drawing/2014/main" xmlns="" id="{3BAF0AF2-6005-4819-878A-6F2064782A7F}"/>
               </a:ext>
             </a:extLst>
           </p:cNvPr>
@@ -551,7 +556,7 @@
           <p:cNvPr id="2" name="Titre vertical 1">
             <a:extLst>
               <a:ext uri="{FF2B5EF4-FFF2-40B4-BE49-F238E27FC236}">
-                <a16:creationId xmlns:a16="http://schemas.microsoft.com/office/drawing/2014/main" id="{A1A695B8-6439-4F53-8EFA-FB014BDCA956}"/>
+                <a16:creationId xmlns:a16="http://schemas.microsoft.com/office/drawing/2014/main" xmlns="" id="{A1A695B8-6439-4F53-8EFA-FB014BDCA956}"/>
               </a:ext>
             </a:extLst>
           </p:cNvPr>
@@ -584,7 +589,7 @@
           <p:cNvPr id="3" name="Espace réservé du texte vertical 2">
             <a:extLst>
               <a:ext uri="{FF2B5EF4-FFF2-40B4-BE49-F238E27FC236}">
-                <a16:creationId xmlns:a16="http://schemas.microsoft.com/office/drawing/2014/main" id="{FF5D30C3-E1F5-433C-9C28-F7204FCFB9C2}"/>
+                <a16:creationId xmlns:a16="http://schemas.microsoft.com/office/drawing/2014/main" xmlns="" id="{FF5D30C3-E1F5-433C-9C28-F7204FCFB9C2}"/>
               </a:ext>
             </a:extLst>
           </p:cNvPr>
@@ -646,7 +651,7 @@
           <p:cNvPr id="4" name="Espace réservé de la date 3">
             <a:extLst>
               <a:ext uri="{FF2B5EF4-FFF2-40B4-BE49-F238E27FC236}">
-                <a16:creationId xmlns:a16="http://schemas.microsoft.com/office/drawing/2014/main" id="{5B2D0905-67BF-4EF2-93EF-CAB261DF45D2}"/>
+                <a16:creationId xmlns:a16="http://schemas.microsoft.com/office/drawing/2014/main" xmlns="" id="{5B2D0905-67BF-4EF2-93EF-CAB261DF45D2}"/>
               </a:ext>
             </a:extLst>
           </p:cNvPr>
@@ -675,7 +680,7 @@
           <p:cNvPr id="5" name="Espace réservé du pied de page 4">
             <a:extLst>
               <a:ext uri="{FF2B5EF4-FFF2-40B4-BE49-F238E27FC236}">
-                <a16:creationId xmlns:a16="http://schemas.microsoft.com/office/drawing/2014/main" id="{EE73B590-5F38-4D3A-886C-40A2E6CDFDC7}"/>
+                <a16:creationId xmlns:a16="http://schemas.microsoft.com/office/drawing/2014/main" xmlns="" id="{EE73B590-5F38-4D3A-886C-40A2E6CDFDC7}"/>
               </a:ext>
             </a:extLst>
           </p:cNvPr>
@@ -700,7 +705,7 @@
           <p:cNvPr id="6" name="Espace réservé du numéro de diapositive 5">
             <a:extLst>
               <a:ext uri="{FF2B5EF4-FFF2-40B4-BE49-F238E27FC236}">
-                <a16:creationId xmlns:a16="http://schemas.microsoft.com/office/drawing/2014/main" id="{5E6B9898-558E-4B4E-915E-0742F6CF958E}"/>
+                <a16:creationId xmlns:a16="http://schemas.microsoft.com/office/drawing/2014/main" xmlns="" id="{5E6B9898-558E-4B4E-915E-0742F6CF958E}"/>
               </a:ext>
             </a:extLst>
           </p:cNvPr>
@@ -759,7 +764,7 @@
           <p:cNvPr id="2" name="Titre 1">
             <a:extLst>
               <a:ext uri="{FF2B5EF4-FFF2-40B4-BE49-F238E27FC236}">
-                <a16:creationId xmlns:a16="http://schemas.microsoft.com/office/drawing/2014/main" id="{431DB020-46C3-40A0-BAE5-701ED5C4339A}"/>
+                <a16:creationId xmlns:a16="http://schemas.microsoft.com/office/drawing/2014/main" xmlns="" id="{431DB020-46C3-40A0-BAE5-701ED5C4339A}"/>
               </a:ext>
             </a:extLst>
           </p:cNvPr>
@@ -787,7 +792,7 @@
           <p:cNvPr id="3" name="Espace réservé du contenu 2">
             <a:extLst>
               <a:ext uri="{FF2B5EF4-FFF2-40B4-BE49-F238E27FC236}">
-                <a16:creationId xmlns:a16="http://schemas.microsoft.com/office/drawing/2014/main" id="{C9F698BB-5297-41C9-A954-EB4EF15A70C2}"/>
+                <a16:creationId xmlns:a16="http://schemas.microsoft.com/office/drawing/2014/main" xmlns="" id="{C9F698BB-5297-41C9-A954-EB4EF15A70C2}"/>
               </a:ext>
             </a:extLst>
           </p:cNvPr>
@@ -844,7 +849,7 @@
           <p:cNvPr id="4" name="Espace réservé de la date 3">
             <a:extLst>
               <a:ext uri="{FF2B5EF4-FFF2-40B4-BE49-F238E27FC236}">
-                <a16:creationId xmlns:a16="http://schemas.microsoft.com/office/drawing/2014/main" id="{377BB192-5C45-4AAD-90CA-43524E3ECDF3}"/>
+                <a16:creationId xmlns:a16="http://schemas.microsoft.com/office/drawing/2014/main" xmlns="" id="{377BB192-5C45-4AAD-90CA-43524E3ECDF3}"/>
               </a:ext>
             </a:extLst>
           </p:cNvPr>
@@ -873,7 +878,7 @@
           <p:cNvPr id="5" name="Espace réservé du pied de page 4">
             <a:extLst>
               <a:ext uri="{FF2B5EF4-FFF2-40B4-BE49-F238E27FC236}">
-                <a16:creationId xmlns:a16="http://schemas.microsoft.com/office/drawing/2014/main" id="{DD99B64C-2400-4965-9B69-8FE486AC9ABD}"/>
+                <a16:creationId xmlns:a16="http://schemas.microsoft.com/office/drawing/2014/main" xmlns="" id="{DD99B64C-2400-4965-9B69-8FE486AC9ABD}"/>
               </a:ext>
             </a:extLst>
           </p:cNvPr>
@@ -898,7 +903,7 @@
           <p:cNvPr id="6" name="Espace réservé du numéro de diapositive 5">
             <a:extLst>
               <a:ext uri="{FF2B5EF4-FFF2-40B4-BE49-F238E27FC236}">
-                <a16:creationId xmlns:a16="http://schemas.microsoft.com/office/drawing/2014/main" id="{6A55B445-28D2-43DF-9A74-D5A0636A5F78}"/>
+                <a16:creationId xmlns:a16="http://schemas.microsoft.com/office/drawing/2014/main" xmlns="" id="{6A55B445-28D2-43DF-9A74-D5A0636A5F78}"/>
               </a:ext>
             </a:extLst>
           </p:cNvPr>
@@ -957,7 +962,7 @@
           <p:cNvPr id="2" name="Titre 1">
             <a:extLst>
               <a:ext uri="{FF2B5EF4-FFF2-40B4-BE49-F238E27FC236}">
-                <a16:creationId xmlns:a16="http://schemas.microsoft.com/office/drawing/2014/main" id="{25BD6BCB-4215-4A60-ACE0-1FC974738029}"/>
+                <a16:creationId xmlns:a16="http://schemas.microsoft.com/office/drawing/2014/main" xmlns="" id="{25BD6BCB-4215-4A60-ACE0-1FC974738029}"/>
               </a:ext>
             </a:extLst>
           </p:cNvPr>
@@ -994,7 +999,7 @@
           <p:cNvPr id="3" name="Espace réservé du texte 2">
             <a:extLst>
               <a:ext uri="{FF2B5EF4-FFF2-40B4-BE49-F238E27FC236}">
-                <a16:creationId xmlns:a16="http://schemas.microsoft.com/office/drawing/2014/main" id="{323B7EC3-80FD-4ABD-845C-FB3C92DB82D7}"/>
+                <a16:creationId xmlns:a16="http://schemas.microsoft.com/office/drawing/2014/main" xmlns="" id="{323B7EC3-80FD-4ABD-845C-FB3C92DB82D7}"/>
               </a:ext>
             </a:extLst>
           </p:cNvPr>
@@ -1119,7 +1124,7 @@
           <p:cNvPr id="4" name="Espace réservé de la date 3">
             <a:extLst>
               <a:ext uri="{FF2B5EF4-FFF2-40B4-BE49-F238E27FC236}">
-                <a16:creationId xmlns:a16="http://schemas.microsoft.com/office/drawing/2014/main" id="{18239D03-5E81-4BB8-A0B1-EEC7EC21BE8C}"/>
+                <a16:creationId xmlns:a16="http://schemas.microsoft.com/office/drawing/2014/main" xmlns="" id="{18239D03-5E81-4BB8-A0B1-EEC7EC21BE8C}"/>
               </a:ext>
             </a:extLst>
           </p:cNvPr>
@@ -1148,7 +1153,7 @@
           <p:cNvPr id="5" name="Espace réservé du pied de page 4">
             <a:extLst>
               <a:ext uri="{FF2B5EF4-FFF2-40B4-BE49-F238E27FC236}">
-                <a16:creationId xmlns:a16="http://schemas.microsoft.com/office/drawing/2014/main" id="{24FB826D-9E04-4A83-8675-9CA0DCEAF186}"/>
+                <a16:creationId xmlns:a16="http://schemas.microsoft.com/office/drawing/2014/main" xmlns="" id="{24FB826D-9E04-4A83-8675-9CA0DCEAF186}"/>
               </a:ext>
             </a:extLst>
           </p:cNvPr>
@@ -1173,7 +1178,7 @@
           <p:cNvPr id="6" name="Espace réservé du numéro de diapositive 5">
             <a:extLst>
               <a:ext uri="{FF2B5EF4-FFF2-40B4-BE49-F238E27FC236}">
-                <a16:creationId xmlns:a16="http://schemas.microsoft.com/office/drawing/2014/main" id="{2895DD4D-1CE9-4503-B6B3-60E58CF7B7BA}"/>
+                <a16:creationId xmlns:a16="http://schemas.microsoft.com/office/drawing/2014/main" xmlns="" id="{2895DD4D-1CE9-4503-B6B3-60E58CF7B7BA}"/>
               </a:ext>
             </a:extLst>
           </p:cNvPr>
@@ -1232,7 +1237,7 @@
           <p:cNvPr id="2" name="Titre 1">
             <a:extLst>
               <a:ext uri="{FF2B5EF4-FFF2-40B4-BE49-F238E27FC236}">
-                <a16:creationId xmlns:a16="http://schemas.microsoft.com/office/drawing/2014/main" id="{5130F05A-1E8C-4F1E-BC84-0C6FAAEA77D8}"/>
+                <a16:creationId xmlns:a16="http://schemas.microsoft.com/office/drawing/2014/main" xmlns="" id="{5130F05A-1E8C-4F1E-BC84-0C6FAAEA77D8}"/>
               </a:ext>
             </a:extLst>
           </p:cNvPr>
@@ -1260,7 +1265,7 @@
           <p:cNvPr id="3" name="Espace réservé du contenu 2">
             <a:extLst>
               <a:ext uri="{FF2B5EF4-FFF2-40B4-BE49-F238E27FC236}">
-                <a16:creationId xmlns:a16="http://schemas.microsoft.com/office/drawing/2014/main" id="{F5E68C1C-0719-4CF7-8CB4-994F91F2676B}"/>
+                <a16:creationId xmlns:a16="http://schemas.microsoft.com/office/drawing/2014/main" xmlns="" id="{F5E68C1C-0719-4CF7-8CB4-994F91F2676B}"/>
               </a:ext>
             </a:extLst>
           </p:cNvPr>
@@ -1322,7 +1327,7 @@
           <p:cNvPr id="4" name="Espace réservé du contenu 3">
             <a:extLst>
               <a:ext uri="{FF2B5EF4-FFF2-40B4-BE49-F238E27FC236}">
-                <a16:creationId xmlns:a16="http://schemas.microsoft.com/office/drawing/2014/main" id="{67937AF8-7F35-4173-9250-B6A6B4CDBFB8}"/>
+                <a16:creationId xmlns:a16="http://schemas.microsoft.com/office/drawing/2014/main" xmlns="" id="{67937AF8-7F35-4173-9250-B6A6B4CDBFB8}"/>
               </a:ext>
             </a:extLst>
           </p:cNvPr>
@@ -1384,7 +1389,7 @@
           <p:cNvPr id="5" name="Espace réservé de la date 4">
             <a:extLst>
               <a:ext uri="{FF2B5EF4-FFF2-40B4-BE49-F238E27FC236}">
-                <a16:creationId xmlns:a16="http://schemas.microsoft.com/office/drawing/2014/main" id="{2D7C56C7-FBE6-4965-9442-546244A07D67}"/>
+                <a16:creationId xmlns:a16="http://schemas.microsoft.com/office/drawing/2014/main" xmlns="" id="{2D7C56C7-FBE6-4965-9442-546244A07D67}"/>
               </a:ext>
             </a:extLst>
           </p:cNvPr>
@@ -1413,7 +1418,7 @@
           <p:cNvPr id="6" name="Espace réservé du pied de page 5">
             <a:extLst>
               <a:ext uri="{FF2B5EF4-FFF2-40B4-BE49-F238E27FC236}">
-                <a16:creationId xmlns:a16="http://schemas.microsoft.com/office/drawing/2014/main" id="{C7F91DB3-3342-4453-8DC4-5DA2561123DD}"/>
+                <a16:creationId xmlns:a16="http://schemas.microsoft.com/office/drawing/2014/main" xmlns="" id="{C7F91DB3-3342-4453-8DC4-5DA2561123DD}"/>
               </a:ext>
             </a:extLst>
           </p:cNvPr>
@@ -1438,7 +1443,7 @@
           <p:cNvPr id="7" name="Espace réservé du numéro de diapositive 6">
             <a:extLst>
               <a:ext uri="{FF2B5EF4-FFF2-40B4-BE49-F238E27FC236}">
-                <a16:creationId xmlns:a16="http://schemas.microsoft.com/office/drawing/2014/main" id="{8ADEAC34-E21B-4341-82CF-5A54FF01CFD6}"/>
+                <a16:creationId xmlns:a16="http://schemas.microsoft.com/office/drawing/2014/main" xmlns="" id="{8ADEAC34-E21B-4341-82CF-5A54FF01CFD6}"/>
               </a:ext>
             </a:extLst>
           </p:cNvPr>
@@ -1497,7 +1502,7 @@
           <p:cNvPr id="2" name="Titre 1">
             <a:extLst>
               <a:ext uri="{FF2B5EF4-FFF2-40B4-BE49-F238E27FC236}">
-                <a16:creationId xmlns:a16="http://schemas.microsoft.com/office/drawing/2014/main" id="{F9B505B0-DE5D-4363-B890-C18E4A56EC13}"/>
+                <a16:creationId xmlns:a16="http://schemas.microsoft.com/office/drawing/2014/main" xmlns="" id="{F9B505B0-DE5D-4363-B890-C18E4A56EC13}"/>
               </a:ext>
             </a:extLst>
           </p:cNvPr>
@@ -1530,7 +1535,7 @@
           <p:cNvPr id="3" name="Espace réservé du texte 2">
             <a:extLst>
               <a:ext uri="{FF2B5EF4-FFF2-40B4-BE49-F238E27FC236}">
-                <a16:creationId xmlns:a16="http://schemas.microsoft.com/office/drawing/2014/main" id="{66C1F046-1999-4AF7-B718-20E7B63F1AB3}"/>
+                <a16:creationId xmlns:a16="http://schemas.microsoft.com/office/drawing/2014/main" xmlns="" id="{66C1F046-1999-4AF7-B718-20E7B63F1AB3}"/>
               </a:ext>
             </a:extLst>
           </p:cNvPr>
@@ -1601,7 +1606,7 @@
           <p:cNvPr id="4" name="Espace réservé du contenu 3">
             <a:extLst>
               <a:ext uri="{FF2B5EF4-FFF2-40B4-BE49-F238E27FC236}">
-                <a16:creationId xmlns:a16="http://schemas.microsoft.com/office/drawing/2014/main" id="{89F83212-B880-4821-8701-BF145640EF52}"/>
+                <a16:creationId xmlns:a16="http://schemas.microsoft.com/office/drawing/2014/main" xmlns="" id="{89F83212-B880-4821-8701-BF145640EF52}"/>
               </a:ext>
             </a:extLst>
           </p:cNvPr>
@@ -1663,7 +1668,7 @@
           <p:cNvPr id="5" name="Espace réservé du texte 4">
             <a:extLst>
               <a:ext uri="{FF2B5EF4-FFF2-40B4-BE49-F238E27FC236}">
-                <a16:creationId xmlns:a16="http://schemas.microsoft.com/office/drawing/2014/main" id="{3532967D-3F18-442E-BC69-088BD9B05F26}"/>
+                <a16:creationId xmlns:a16="http://schemas.microsoft.com/office/drawing/2014/main" xmlns="" id="{3532967D-3F18-442E-BC69-088BD9B05F26}"/>
               </a:ext>
             </a:extLst>
           </p:cNvPr>
@@ -1734,7 +1739,7 @@
           <p:cNvPr id="6" name="Espace réservé du contenu 5">
             <a:extLst>
               <a:ext uri="{FF2B5EF4-FFF2-40B4-BE49-F238E27FC236}">
-                <a16:creationId xmlns:a16="http://schemas.microsoft.com/office/drawing/2014/main" id="{F6AB29C0-0D00-48C4-83B9-9CEB1EC2B72F}"/>
+                <a16:creationId xmlns:a16="http://schemas.microsoft.com/office/drawing/2014/main" xmlns="" id="{F6AB29C0-0D00-48C4-83B9-9CEB1EC2B72F}"/>
               </a:ext>
             </a:extLst>
           </p:cNvPr>
@@ -1796,7 +1801,7 @@
           <p:cNvPr id="7" name="Espace réservé de la date 6">
             <a:extLst>
               <a:ext uri="{FF2B5EF4-FFF2-40B4-BE49-F238E27FC236}">
-                <a16:creationId xmlns:a16="http://schemas.microsoft.com/office/drawing/2014/main" id="{62A36D0A-256C-4596-BFC1-76995B0209F4}"/>
+                <a16:creationId xmlns:a16="http://schemas.microsoft.com/office/drawing/2014/main" xmlns="" id="{62A36D0A-256C-4596-BFC1-76995B0209F4}"/>
               </a:ext>
             </a:extLst>
           </p:cNvPr>
@@ -1825,7 +1830,7 @@
           <p:cNvPr id="8" name="Espace réservé du pied de page 7">
             <a:extLst>
               <a:ext uri="{FF2B5EF4-FFF2-40B4-BE49-F238E27FC236}">
-                <a16:creationId xmlns:a16="http://schemas.microsoft.com/office/drawing/2014/main" id="{FCA43537-1E42-49B1-A1F4-422D8BEBD2CC}"/>
+                <a16:creationId xmlns:a16="http://schemas.microsoft.com/office/drawing/2014/main" xmlns="" id="{FCA43537-1E42-49B1-A1F4-422D8BEBD2CC}"/>
               </a:ext>
             </a:extLst>
           </p:cNvPr>
@@ -1850,7 +1855,7 @@
           <p:cNvPr id="9" name="Espace réservé du numéro de diapositive 8">
             <a:extLst>
               <a:ext uri="{FF2B5EF4-FFF2-40B4-BE49-F238E27FC236}">
-                <a16:creationId xmlns:a16="http://schemas.microsoft.com/office/drawing/2014/main" id="{23FA08A0-C7FD-4FB7-B6B6-CAAE3052C423}"/>
+                <a16:creationId xmlns:a16="http://schemas.microsoft.com/office/drawing/2014/main" xmlns="" id="{23FA08A0-C7FD-4FB7-B6B6-CAAE3052C423}"/>
               </a:ext>
             </a:extLst>
           </p:cNvPr>
@@ -1909,7 +1914,7 @@
           <p:cNvPr id="2" name="Titre 1">
             <a:extLst>
               <a:ext uri="{FF2B5EF4-FFF2-40B4-BE49-F238E27FC236}">
-                <a16:creationId xmlns:a16="http://schemas.microsoft.com/office/drawing/2014/main" id="{04007FE1-638E-4DA3-93D6-DB9B0265B6D0}"/>
+                <a16:creationId xmlns:a16="http://schemas.microsoft.com/office/drawing/2014/main" xmlns="" id="{04007FE1-638E-4DA3-93D6-DB9B0265B6D0}"/>
               </a:ext>
             </a:extLst>
           </p:cNvPr>
@@ -1937,7 +1942,7 @@
           <p:cNvPr id="3" name="Espace réservé de la date 2">
             <a:extLst>
               <a:ext uri="{FF2B5EF4-FFF2-40B4-BE49-F238E27FC236}">
-                <a16:creationId xmlns:a16="http://schemas.microsoft.com/office/drawing/2014/main" id="{A2DB9793-A2EB-4DCE-B6CE-79F26968AA6A}"/>
+                <a16:creationId xmlns:a16="http://schemas.microsoft.com/office/drawing/2014/main" xmlns="" id="{A2DB9793-A2EB-4DCE-B6CE-79F26968AA6A}"/>
               </a:ext>
             </a:extLst>
           </p:cNvPr>
@@ -1966,7 +1971,7 @@
           <p:cNvPr id="4" name="Espace réservé du pied de page 3">
             <a:extLst>
               <a:ext uri="{FF2B5EF4-FFF2-40B4-BE49-F238E27FC236}">
-                <a16:creationId xmlns:a16="http://schemas.microsoft.com/office/drawing/2014/main" id="{BEDFC0D8-2F84-4EE0-A0D9-601D1D3CDBD6}"/>
+                <a16:creationId xmlns:a16="http://schemas.microsoft.com/office/drawing/2014/main" xmlns="" id="{BEDFC0D8-2F84-4EE0-A0D9-601D1D3CDBD6}"/>
               </a:ext>
             </a:extLst>
           </p:cNvPr>
@@ -1991,7 +1996,7 @@
           <p:cNvPr id="5" name="Espace réservé du numéro de diapositive 4">
             <a:extLst>
               <a:ext uri="{FF2B5EF4-FFF2-40B4-BE49-F238E27FC236}">
-                <a16:creationId xmlns:a16="http://schemas.microsoft.com/office/drawing/2014/main" id="{31D2E7F8-1F6B-4484-BDA2-66BC5B15363D}"/>
+                <a16:creationId xmlns:a16="http://schemas.microsoft.com/office/drawing/2014/main" xmlns="" id="{31D2E7F8-1F6B-4484-BDA2-66BC5B15363D}"/>
               </a:ext>
             </a:extLst>
           </p:cNvPr>
@@ -2050,7 +2055,7 @@
           <p:cNvPr id="2" name="Espace réservé de la date 1">
             <a:extLst>
               <a:ext uri="{FF2B5EF4-FFF2-40B4-BE49-F238E27FC236}">
-                <a16:creationId xmlns:a16="http://schemas.microsoft.com/office/drawing/2014/main" id="{6BD191C9-89C7-4E90-9B2B-4CB4984383ED}"/>
+                <a16:creationId xmlns:a16="http://schemas.microsoft.com/office/drawing/2014/main" xmlns="" id="{6BD191C9-89C7-4E90-9B2B-4CB4984383ED}"/>
               </a:ext>
             </a:extLst>
           </p:cNvPr>
@@ -2079,7 +2084,7 @@
           <p:cNvPr id="3" name="Espace réservé du pied de page 2">
             <a:extLst>
               <a:ext uri="{FF2B5EF4-FFF2-40B4-BE49-F238E27FC236}">
-                <a16:creationId xmlns:a16="http://schemas.microsoft.com/office/drawing/2014/main" id="{42C63F3A-18FB-411D-90A1-648F2F4E0C9B}"/>
+                <a16:creationId xmlns:a16="http://schemas.microsoft.com/office/drawing/2014/main" xmlns="" id="{42C63F3A-18FB-411D-90A1-648F2F4E0C9B}"/>
               </a:ext>
             </a:extLst>
           </p:cNvPr>
@@ -2104,7 +2109,7 @@
           <p:cNvPr id="4" name="Espace réservé du numéro de diapositive 3">
             <a:extLst>
               <a:ext uri="{FF2B5EF4-FFF2-40B4-BE49-F238E27FC236}">
-                <a16:creationId xmlns:a16="http://schemas.microsoft.com/office/drawing/2014/main" id="{D86B47A5-60E8-4558-BF75-E9DBA01C013B}"/>
+                <a16:creationId xmlns:a16="http://schemas.microsoft.com/office/drawing/2014/main" xmlns="" id="{D86B47A5-60E8-4558-BF75-E9DBA01C013B}"/>
               </a:ext>
             </a:extLst>
           </p:cNvPr>
@@ -2163,7 +2168,7 @@
           <p:cNvPr id="2" name="Titre 1">
             <a:extLst>
               <a:ext uri="{FF2B5EF4-FFF2-40B4-BE49-F238E27FC236}">
-                <a16:creationId xmlns:a16="http://schemas.microsoft.com/office/drawing/2014/main" id="{03CAEEF5-B1A4-4D26-BC9A-C0283F053AD4}"/>
+                <a16:creationId xmlns:a16="http://schemas.microsoft.com/office/drawing/2014/main" xmlns="" id="{03CAEEF5-B1A4-4D26-BC9A-C0283F053AD4}"/>
               </a:ext>
             </a:extLst>
           </p:cNvPr>
@@ -2200,7 +2205,7 @@
           <p:cNvPr id="3" name="Espace réservé du contenu 2">
             <a:extLst>
               <a:ext uri="{FF2B5EF4-FFF2-40B4-BE49-F238E27FC236}">
-                <a16:creationId xmlns:a16="http://schemas.microsoft.com/office/drawing/2014/main" id="{9126FC02-DA3F-44E8-A6D7-EB2AB62DD795}"/>
+                <a16:creationId xmlns:a16="http://schemas.microsoft.com/office/drawing/2014/main" xmlns="" id="{9126FC02-DA3F-44E8-A6D7-EB2AB62DD795}"/>
               </a:ext>
             </a:extLst>
           </p:cNvPr>
@@ -2290,7 +2295,7 @@
           <p:cNvPr id="4" name="Espace réservé du texte 3">
             <a:extLst>
               <a:ext uri="{FF2B5EF4-FFF2-40B4-BE49-F238E27FC236}">
-                <a16:creationId xmlns:a16="http://schemas.microsoft.com/office/drawing/2014/main" id="{DBC7F338-BACC-4BBA-BDAD-E3A022C5055B}"/>
+                <a16:creationId xmlns:a16="http://schemas.microsoft.com/office/drawing/2014/main" xmlns="" id="{DBC7F338-BACC-4BBA-BDAD-E3A022C5055B}"/>
               </a:ext>
             </a:extLst>
           </p:cNvPr>
@@ -2361,7 +2366,7 @@
           <p:cNvPr id="5" name="Espace réservé de la date 4">
             <a:extLst>
               <a:ext uri="{FF2B5EF4-FFF2-40B4-BE49-F238E27FC236}">
-                <a16:creationId xmlns:a16="http://schemas.microsoft.com/office/drawing/2014/main" id="{9BA2FC29-93DE-42E5-A419-AA963F9F952D}"/>
+                <a16:creationId xmlns:a16="http://schemas.microsoft.com/office/drawing/2014/main" xmlns="" id="{9BA2FC29-93DE-42E5-A419-AA963F9F952D}"/>
               </a:ext>
             </a:extLst>
           </p:cNvPr>
@@ -2390,7 +2395,7 @@
           <p:cNvPr id="6" name="Espace réservé du pied de page 5">
             <a:extLst>
               <a:ext uri="{FF2B5EF4-FFF2-40B4-BE49-F238E27FC236}">
-                <a16:creationId xmlns:a16="http://schemas.microsoft.com/office/drawing/2014/main" id="{52A02562-C31D-4819-B043-2CADDA57BF7B}"/>
+                <a16:creationId xmlns:a16="http://schemas.microsoft.com/office/drawing/2014/main" xmlns="" id="{52A02562-C31D-4819-B043-2CADDA57BF7B}"/>
               </a:ext>
             </a:extLst>
           </p:cNvPr>
@@ -2415,7 +2420,7 @@
           <p:cNvPr id="7" name="Espace réservé du numéro de diapositive 6">
             <a:extLst>
               <a:ext uri="{FF2B5EF4-FFF2-40B4-BE49-F238E27FC236}">
-                <a16:creationId xmlns:a16="http://schemas.microsoft.com/office/drawing/2014/main" id="{A7C4A282-B201-460A-BE1D-1B9812F10E81}"/>
+                <a16:creationId xmlns:a16="http://schemas.microsoft.com/office/drawing/2014/main" xmlns="" id="{A7C4A282-B201-460A-BE1D-1B9812F10E81}"/>
               </a:ext>
             </a:extLst>
           </p:cNvPr>
@@ -2474,7 +2479,7 @@
           <p:cNvPr id="2" name="Titre 1">
             <a:extLst>
               <a:ext uri="{FF2B5EF4-FFF2-40B4-BE49-F238E27FC236}">
-                <a16:creationId xmlns:a16="http://schemas.microsoft.com/office/drawing/2014/main" id="{632AADF7-7C09-49EA-B3E2-EC24211C15DA}"/>
+                <a16:creationId xmlns:a16="http://schemas.microsoft.com/office/drawing/2014/main" xmlns="" id="{632AADF7-7C09-49EA-B3E2-EC24211C15DA}"/>
               </a:ext>
             </a:extLst>
           </p:cNvPr>
@@ -2511,7 +2516,7 @@
           <p:cNvPr id="3" name="Espace réservé pour une image  2">
             <a:extLst>
               <a:ext uri="{FF2B5EF4-FFF2-40B4-BE49-F238E27FC236}">
-                <a16:creationId xmlns:a16="http://schemas.microsoft.com/office/drawing/2014/main" id="{13166001-4D3C-4FAC-B3C9-B36FA8C5AC54}"/>
+                <a16:creationId xmlns:a16="http://schemas.microsoft.com/office/drawing/2014/main" xmlns="" id="{13166001-4D3C-4FAC-B3C9-B36FA8C5AC54}"/>
               </a:ext>
             </a:extLst>
           </p:cNvPr>
@@ -2578,7 +2583,7 @@
           <p:cNvPr id="4" name="Espace réservé du texte 3">
             <a:extLst>
               <a:ext uri="{FF2B5EF4-FFF2-40B4-BE49-F238E27FC236}">
-                <a16:creationId xmlns:a16="http://schemas.microsoft.com/office/drawing/2014/main" id="{A155D197-9C25-458F-B631-DB8D8E9379FA}"/>
+                <a16:creationId xmlns:a16="http://schemas.microsoft.com/office/drawing/2014/main" xmlns="" id="{A155D197-9C25-458F-B631-DB8D8E9379FA}"/>
               </a:ext>
             </a:extLst>
           </p:cNvPr>
@@ -2649,7 +2654,7 @@
           <p:cNvPr id="5" name="Espace réservé de la date 4">
             <a:extLst>
               <a:ext uri="{FF2B5EF4-FFF2-40B4-BE49-F238E27FC236}">
-                <a16:creationId xmlns:a16="http://schemas.microsoft.com/office/drawing/2014/main" id="{3ECEA40D-4412-49A8-B6ED-9AA7A174784D}"/>
+                <a16:creationId xmlns:a16="http://schemas.microsoft.com/office/drawing/2014/main" xmlns="" id="{3ECEA40D-4412-49A8-B6ED-9AA7A174784D}"/>
               </a:ext>
             </a:extLst>
           </p:cNvPr>
@@ -2678,7 +2683,7 @@
           <p:cNvPr id="6" name="Espace réservé du pied de page 5">
             <a:extLst>
               <a:ext uri="{FF2B5EF4-FFF2-40B4-BE49-F238E27FC236}">
-                <a16:creationId xmlns:a16="http://schemas.microsoft.com/office/drawing/2014/main" id="{F02FD95C-0823-416E-896B-D7B1BA90CCF1}"/>
+                <a16:creationId xmlns:a16="http://schemas.microsoft.com/office/drawing/2014/main" xmlns="" id="{F02FD95C-0823-416E-896B-D7B1BA90CCF1}"/>
               </a:ext>
             </a:extLst>
           </p:cNvPr>
@@ -2703,7 +2708,7 @@
           <p:cNvPr id="7" name="Espace réservé du numéro de diapositive 6">
             <a:extLst>
               <a:ext uri="{FF2B5EF4-FFF2-40B4-BE49-F238E27FC236}">
-                <a16:creationId xmlns:a16="http://schemas.microsoft.com/office/drawing/2014/main" id="{5C77D14A-A1CB-408F-86B0-41205825406B}"/>
+                <a16:creationId xmlns:a16="http://schemas.microsoft.com/office/drawing/2014/main" xmlns="" id="{5C77D14A-A1CB-408F-86B0-41205825406B}"/>
               </a:ext>
             </a:extLst>
           </p:cNvPr>
@@ -2767,7 +2772,7 @@
           <p:cNvPr id="2" name="Espace réservé du titre 1">
             <a:extLst>
               <a:ext uri="{FF2B5EF4-FFF2-40B4-BE49-F238E27FC236}">
-                <a16:creationId xmlns:a16="http://schemas.microsoft.com/office/drawing/2014/main" id="{0CF4938D-81CB-49E1-8A25-52542D125C55}"/>
+                <a16:creationId xmlns:a16="http://schemas.microsoft.com/office/drawing/2014/main" xmlns="" id="{0CF4938D-81CB-49E1-8A25-52542D125C55}"/>
               </a:ext>
             </a:extLst>
           </p:cNvPr>
@@ -2805,7 +2810,7 @@
           <p:cNvPr id="3" name="Espace réservé du texte 2">
             <a:extLst>
               <a:ext uri="{FF2B5EF4-FFF2-40B4-BE49-F238E27FC236}">
-                <a16:creationId xmlns:a16="http://schemas.microsoft.com/office/drawing/2014/main" id="{D3A11551-37EE-46C4-9DF0-BB46D11C663E}"/>
+                <a16:creationId xmlns:a16="http://schemas.microsoft.com/office/drawing/2014/main" xmlns="" id="{D3A11551-37EE-46C4-9DF0-BB46D11C663E}"/>
               </a:ext>
             </a:extLst>
           </p:cNvPr>
@@ -2872,7 +2877,7 @@
           <p:cNvPr id="4" name="Espace réservé de la date 3">
             <a:extLst>
               <a:ext uri="{FF2B5EF4-FFF2-40B4-BE49-F238E27FC236}">
-                <a16:creationId xmlns:a16="http://schemas.microsoft.com/office/drawing/2014/main" id="{ACBC8EF6-06EA-4964-8365-FC7FAA64D8AB}"/>
+                <a16:creationId xmlns:a16="http://schemas.microsoft.com/office/drawing/2014/main" xmlns="" id="{ACBC8EF6-06EA-4964-8365-FC7FAA64D8AB}"/>
               </a:ext>
             </a:extLst>
           </p:cNvPr>
@@ -2919,7 +2924,7 @@
           <p:cNvPr id="5" name="Espace réservé du pied de page 4">
             <a:extLst>
               <a:ext uri="{FF2B5EF4-FFF2-40B4-BE49-F238E27FC236}">
-                <a16:creationId xmlns:a16="http://schemas.microsoft.com/office/drawing/2014/main" id="{55E00225-CF41-41CD-994A-B195B22579C2}"/>
+                <a16:creationId xmlns:a16="http://schemas.microsoft.com/office/drawing/2014/main" xmlns="" id="{55E00225-CF41-41CD-994A-B195B22579C2}"/>
               </a:ext>
             </a:extLst>
           </p:cNvPr>
@@ -2962,7 +2967,7 @@
           <p:cNvPr id="6" name="Espace réservé du numéro de diapositive 5">
             <a:extLst>
               <a:ext uri="{FF2B5EF4-FFF2-40B4-BE49-F238E27FC236}">
-                <a16:creationId xmlns:a16="http://schemas.microsoft.com/office/drawing/2014/main" id="{A6DF7E3A-EA3F-45D1-8CF3-A4F47BB73E88}"/>
+                <a16:creationId xmlns:a16="http://schemas.microsoft.com/office/drawing/2014/main" xmlns="" id="{A6DF7E3A-EA3F-45D1-8CF3-A4F47BB73E88}"/>
               </a:ext>
             </a:extLst>
           </p:cNvPr>
@@ -3330,7 +3335,7 @@
           <p:cNvPr id="4" name="ZoneTexte 3">
             <a:extLst>
               <a:ext uri="{FF2B5EF4-FFF2-40B4-BE49-F238E27FC236}">
-                <a16:creationId xmlns:a16="http://schemas.microsoft.com/office/drawing/2014/main" id="{533A1CFC-B0D2-426B-83EC-148853821297}"/>
+                <a16:creationId xmlns:a16="http://schemas.microsoft.com/office/drawing/2014/main" xmlns="" id="{533A1CFC-B0D2-426B-83EC-148853821297}"/>
               </a:ext>
             </a:extLst>
           </p:cNvPr>
@@ -3409,7 +3414,7 @@
           <p:cNvPr id="5" name="Rectangle 4">
             <a:extLst>
               <a:ext uri="{FF2B5EF4-FFF2-40B4-BE49-F238E27FC236}">
-                <a16:creationId xmlns:a16="http://schemas.microsoft.com/office/drawing/2014/main" id="{0AFC5DB6-D0C9-425C-949A-E69C60B5A65F}"/>
+                <a16:creationId xmlns:a16="http://schemas.microsoft.com/office/drawing/2014/main" xmlns="" id="{0AFC5DB6-D0C9-425C-949A-E69C60B5A65F}"/>
               </a:ext>
             </a:extLst>
           </p:cNvPr>
@@ -3457,7 +3462,7 @@
           <p:cNvPr id="7" name="Image 6">
             <a:extLst>
               <a:ext uri="{FF2B5EF4-FFF2-40B4-BE49-F238E27FC236}">
-                <a16:creationId xmlns:a16="http://schemas.microsoft.com/office/drawing/2014/main" id="{14D40E6E-BD53-4D78-BDDA-2180EDAB8854}"/>
+                <a16:creationId xmlns:a16="http://schemas.microsoft.com/office/drawing/2014/main" xmlns="" id="{14D40E6E-BD53-4D78-BDDA-2180EDAB8854}"/>
               </a:ext>
             </a:extLst>
           </p:cNvPr>
@@ -3523,7 +3528,7 @@
           <p:cNvPr id="2" name="Titre 1">
             <a:extLst>
               <a:ext uri="{FF2B5EF4-FFF2-40B4-BE49-F238E27FC236}">
-                <a16:creationId xmlns:a16="http://schemas.microsoft.com/office/drawing/2014/main" id="{191D2206-9C84-4CED-957E-E64B109CEB15}"/>
+                <a16:creationId xmlns:a16="http://schemas.microsoft.com/office/drawing/2014/main" xmlns="" id="{191D2206-9C84-4CED-957E-E64B109CEB15}"/>
               </a:ext>
             </a:extLst>
           </p:cNvPr>
@@ -3551,7 +3556,7 @@
           <p:cNvPr id="6" name="Espace réservé du contenu 5">
             <a:extLst>
               <a:ext uri="{FF2B5EF4-FFF2-40B4-BE49-F238E27FC236}">
-                <a16:creationId xmlns:a16="http://schemas.microsoft.com/office/drawing/2014/main" id="{864D50E0-6B8D-4D3A-A847-6EBA2A11C890}"/>
+                <a16:creationId xmlns:a16="http://schemas.microsoft.com/office/drawing/2014/main" xmlns="" id="{864D50E0-6B8D-4D3A-A847-6EBA2A11C890}"/>
               </a:ext>
             </a:extLst>
           </p:cNvPr>
@@ -3629,7 +3634,7 @@
           <p:cNvPr id="2" name="Titre 1">
             <a:extLst>
               <a:ext uri="{FF2B5EF4-FFF2-40B4-BE49-F238E27FC236}">
-                <a16:creationId xmlns:a16="http://schemas.microsoft.com/office/drawing/2014/main" id="{2D137395-7A8A-48E7-819D-87EB8A6109B5}"/>
+                <a16:creationId xmlns:a16="http://schemas.microsoft.com/office/drawing/2014/main" xmlns="" id="{2D137395-7A8A-48E7-819D-87EB8A6109B5}"/>
               </a:ext>
             </a:extLst>
           </p:cNvPr>
@@ -3657,7 +3662,7 @@
           <p:cNvPr id="5" name="Espace réservé du contenu 4">
             <a:extLst>
               <a:ext uri="{FF2B5EF4-FFF2-40B4-BE49-F238E27FC236}">
-                <a16:creationId xmlns:a16="http://schemas.microsoft.com/office/drawing/2014/main" id="{75CC9582-832B-4958-82F0-65D55E209A88}"/>
+                <a16:creationId xmlns:a16="http://schemas.microsoft.com/office/drawing/2014/main" xmlns="" id="{75CC9582-832B-4958-82F0-65D55E209A88}"/>
               </a:ext>
             </a:extLst>
           </p:cNvPr>
@@ -3722,7 +3727,7 @@
           <p:cNvPr id="2" name="Titre 1">
             <a:extLst>
               <a:ext uri="{FF2B5EF4-FFF2-40B4-BE49-F238E27FC236}">
-                <a16:creationId xmlns:a16="http://schemas.microsoft.com/office/drawing/2014/main" id="{4C7F8185-725A-4E99-85BC-C07A8629D4D2}"/>
+                <a16:creationId xmlns:a16="http://schemas.microsoft.com/office/drawing/2014/main" xmlns="" id="{4C7F8185-725A-4E99-85BC-C07A8629D4D2}"/>
               </a:ext>
             </a:extLst>
           </p:cNvPr>
@@ -3747,7 +3752,7 @@
           <p:cNvPr id="3" name="Espace réservé du contenu 2">
             <a:extLst>
               <a:ext uri="{FF2B5EF4-FFF2-40B4-BE49-F238E27FC236}">
-                <a16:creationId xmlns:a16="http://schemas.microsoft.com/office/drawing/2014/main" id="{5039BAA1-5446-4701-8B95-AB51A366AB9E}"/>
+                <a16:creationId xmlns:a16="http://schemas.microsoft.com/office/drawing/2014/main" xmlns="" id="{5039BAA1-5446-4701-8B95-AB51A366AB9E}"/>
               </a:ext>
             </a:extLst>
           </p:cNvPr>
@@ -3802,7 +3807,7 @@
           <p:cNvPr id="2" name="Titre 1">
             <a:extLst>
               <a:ext uri="{FF2B5EF4-FFF2-40B4-BE49-F238E27FC236}">
-                <a16:creationId xmlns:a16="http://schemas.microsoft.com/office/drawing/2014/main" id="{A6DAC4E9-AB26-4CC8-9162-AF89E8EFE167}"/>
+                <a16:creationId xmlns:a16="http://schemas.microsoft.com/office/drawing/2014/main" xmlns="" id="{A6DAC4E9-AB26-4CC8-9162-AF89E8EFE167}"/>
               </a:ext>
             </a:extLst>
           </p:cNvPr>
@@ -3830,7 +3835,7 @@
           <p:cNvPr id="3" name="Espace réservé du contenu 2">
             <a:extLst>
               <a:ext uri="{FF2B5EF4-FFF2-40B4-BE49-F238E27FC236}">
-                <a16:creationId xmlns:a16="http://schemas.microsoft.com/office/drawing/2014/main" id="{89CC1AEE-7070-473F-AC38-4BA7E919D02C}"/>
+                <a16:creationId xmlns:a16="http://schemas.microsoft.com/office/drawing/2014/main" xmlns="" id="{89CC1AEE-7070-473F-AC38-4BA7E919D02C}"/>
               </a:ext>
             </a:extLst>
           </p:cNvPr>
@@ -3843,20 +3848,47 @@
         </p:nvSpPr>
         <p:spPr/>
         <p:txBody>
-          <a:bodyPr/>
-          <a:lstStyle/>
-          <a:p>
+          <a:bodyPr>
+            <a:normAutofit/>
+          </a:bodyPr>
+          <a:lstStyle/>
+          <a:p>
+            <a:r>
+              <a:rPr lang="fr-FR" dirty="0" err="1" smtClean="0"/>
+              <a:t>Openclassroom</a:t>
+            </a:r>
+            <a:r>
+              <a:rPr lang="fr-FR" dirty="0"/>
+              <a:t> : openclassrooms.com/courses/concevez-votre-site-web-avec-</a:t>
+            </a:r>
             <a:r>
               <a:rPr lang="fr-FR" dirty="0" err="1"/>
-              <a:t>Openclassroom</a:t>
+              <a:t>php</a:t>
+            </a:r>
+            <a:r>
+              <a:rPr lang="fr-FR" dirty="0"/>
+              <a:t>-et-</a:t>
+            </a:r>
+            <a:r>
+              <a:rPr lang="fr-FR" dirty="0" err="1"/>
+              <a:t>mysql</a:t>
             </a:r>
             <a:endParaRPr lang="fr-FR" dirty="0"/>
           </a:p>
           <a:p>
             <a:r>
               <a:rPr lang="fr-FR" dirty="0"/>
-              <a:t>W3School</a:t>
-            </a:r>
+              <a:t>W3School </a:t>
+            </a:r>
+            <a:r>
+              <a:rPr lang="fr-FR"/>
+              <a:t>: </a:t>
+            </a:r>
+            <a:r>
+              <a:rPr lang="fr-FR" smtClean="0"/>
+              <a:t>W3School/bootstrap</a:t>
+            </a:r>
+            <a:endParaRPr lang="fr-FR" dirty="0"/>
           </a:p>
           <a:p>
             <a:r>
@@ -3866,9 +3898,25 @@
           </a:p>
           <a:p>
             <a:r>
-              <a:rPr lang="fr-FR" dirty="0"/>
+              <a:rPr lang="fr-FR" dirty="0" smtClean="0"/>
               <a:t>Stackoverflow.com</a:t>
             </a:r>
+            <a:endParaRPr lang="fr-FR" dirty="0"/>
+          </a:p>
+          <a:p>
+            <a:r>
+              <a:rPr lang="fr-FR" dirty="0" smtClean="0"/>
+              <a:t>phpfrance.com/</a:t>
+            </a:r>
+            <a:r>
+              <a:rPr lang="fr-FR" dirty="0" err="1" smtClean="0"/>
+              <a:t>php</a:t>
+            </a:r>
+            <a:r>
+              <a:rPr lang="fr-FR" dirty="0" smtClean="0"/>
+              <a:t>-avance</a:t>
+            </a:r>
+            <a:endParaRPr lang="fr-FR" dirty="0"/>
           </a:p>
         </p:txBody>
       </p:sp>
